--- a/Day1-Overview/Ch00-Introduction.pptx
+++ b/Day1-Overview/Ch00-Introduction.pptx
@@ -272,7 +272,7 @@
                 <a:ea typeface="Tahoma" pitchFamily="34" charset="0"/>
                 <a:cs typeface="Tahoma" pitchFamily="34" charset="0"/>
               </a:rPr>
-              <a:t>811M: Python for Data Scientists</a:t>
+              <a:t>Python Program</a:t>
             </a:r>
           </a:p>
         </p:txBody>
@@ -790,7 +790,7 @@
                 </a:solidFill>
                 <a:latin typeface="Tahoma" pitchFamily="34" charset="0"/>
               </a:rPr>
-              <a:t>811M: Python for Data Scientists</a:t>
+              <a:t>Python Program</a:t>
             </a:r>
           </a:p>
         </p:txBody>
@@ -5450,7 +5450,7 @@
                 </a:solidFill>
                 <a:latin typeface="Tahoma" charset="0"/>
               </a:rPr>
-              <a:t>© 2019</a:t>
+              <a:t>© 2020</a:t>
             </a:r>
             <a:r>
               <a:rPr lang="en-US" sz="700" b="0" baseline="0" dirty="0">
@@ -5552,7 +5552,7 @@
                 <a:ea typeface="Tahoma" panose="020B0604030504040204" pitchFamily="34" charset="0"/>
                 <a:cs typeface="Tahoma" panose="020B0604030504040204" pitchFamily="34" charset="0"/>
               </a:rPr>
-              <a:t>811M: Python for Data Scientists</a:t>
+              <a:t>Python Program</a:t>
             </a:r>
           </a:p>
         </p:txBody>
@@ -6328,7 +6328,7 @@
           <a:p>
             <a:r>
               <a:rPr lang="en-US" dirty="0"/>
-              <a:t>Python for Data Scientists</a:t>
+              <a:t>Python Program</a:t>
             </a:r>
           </a:p>
         </p:txBody>
@@ -6400,7 +6400,7 @@
                   <a:srgbClr val="800000"/>
                 </a:solidFill>
               </a:rPr>
-              <a:t>Python for Data Scientists</a:t>
+              <a:t>Python Program </a:t>
             </a:r>
             <a:r>
               <a:rPr lang="en-US" sz="2400" cap="none" dirty="0">
@@ -6411,7 +6411,7 @@
                   </a:schemeClr>
                 </a:solidFill>
               </a:rPr>
-              <a:t> course.</a:t>
+              <a:t>course.</a:t>
             </a:r>
           </a:p>
         </p:txBody>
